--- a/Presentation_improve_campaign_response.pptx
+++ b/Presentation_improve_campaign_response.pptx
@@ -7191,15 +7191,13 @@
           </a:bodyPr>
           <a:lstStyle/>
           <a:p>
-            <a:pPr marL="0" lvl="0" indent="0" algn="l" rtl="0">
-              <a:spcBef>
-                <a:spcPts val="0"/>
-              </a:spcBef>
-              <a:spcAft>
-                <a:spcPts val="0"/>
-              </a:spcAft>
+            <a:pPr marL="0" lvl="0" indent="0">
               <a:buNone/>
             </a:pPr>
+            <a:r>
+              <a:rPr lang="en-US" sz="1200" dirty="0"/>
+              <a:t>📉</a:t>
+            </a:r>
             <a:r>
               <a:rPr lang="en" sz="1200" dirty="0">
                 <a:solidFill>
@@ -7208,7 +7206,7 @@
                 <a:latin typeface="Prompt" panose="00000500000000000000" pitchFamily="2" charset="-34"/>
                 <a:cs typeface="Prompt" panose="00000500000000000000" pitchFamily="2" charset="-34"/>
               </a:rPr>
-              <a:t>🎯 The current campaign has low response rate (avg response ~1.2%) due to broad targeting.</a:t>
+              <a:t> The current campaign has low response rate (avg response ~1.2%) due to broad targeting.</a:t>
             </a:r>
             <a:endParaRPr sz="1200" dirty="0">
               <a:solidFill>
@@ -7219,7 +7217,7 @@
             </a:endParaRPr>
           </a:p>
           <a:p>
-            <a:pPr marL="0" lvl="0" indent="0" algn="l" rtl="0">
+            <a:pPr marL="0" lvl="0" indent="0">
               <a:spcBef>
                 <a:spcPts val="1200"/>
               </a:spcBef>
@@ -7228,6 +7226,10 @@
               </a:spcAft>
               <a:buNone/>
             </a:pPr>
+            <a:r>
+              <a:rPr lang="en-US" sz="1200" dirty="0"/>
+              <a:t>🔍</a:t>
+            </a:r>
             <a:r>
               <a:rPr lang="en" sz="1200" dirty="0">
                 <a:solidFill>
@@ -7236,7 +7238,7 @@
                 <a:latin typeface="Prompt" panose="00000500000000000000" pitchFamily="2" charset="-34"/>
                 <a:cs typeface="Prompt" panose="00000500000000000000" pitchFamily="2" charset="-34"/>
               </a:rPr>
-              <a:t>✅ Using propensity model identifies targeting , who likely to response.</a:t>
+              <a:t> Using a preditcive model to identify customer who have propensity to buy insurance.</a:t>
             </a:r>
             <a:endParaRPr sz="1200" dirty="0">
               <a:solidFill>
@@ -8547,7 +8549,31 @@
                 <a:latin typeface="Prompt" panose="00000500000000000000" pitchFamily="2" charset="-34"/>
                 <a:cs typeface="Prompt" panose="00000500000000000000" pitchFamily="2" charset="-34"/>
               </a:rPr>
-              <a:t> customers are younger, more likely single, with moderate income and saving habits, and stronger relationships (payroll).</a:t>
+              <a:t> </a:t>
+            </a:r>
+            <a:r>
+              <a:rPr lang="en" sz="1200" b="1" dirty="0">
+                <a:solidFill>
+                  <a:schemeClr val="bg2">
+                    <a:lumMod val="50000"/>
+                  </a:schemeClr>
+                </a:solidFill>
+                <a:latin typeface="Prompt" panose="00000500000000000000" pitchFamily="2" charset="-34"/>
+                <a:cs typeface="Prompt" panose="00000500000000000000" pitchFamily="2" charset="-34"/>
+              </a:rPr>
+              <a:t>customers</a:t>
+            </a:r>
+            <a:r>
+              <a:rPr lang="en" sz="1200" dirty="0">
+                <a:solidFill>
+                  <a:schemeClr val="bg2">
+                    <a:lumMod val="50000"/>
+                  </a:schemeClr>
+                </a:solidFill>
+                <a:latin typeface="Prompt" panose="00000500000000000000" pitchFamily="2" charset="-34"/>
+                <a:cs typeface="Prompt" panose="00000500000000000000" pitchFamily="2" charset="-34"/>
+              </a:rPr>
+              <a:t> are younger, more likely single, with moderate income and saving habits, and stronger relationships (payroll, Credit card, Planet).</a:t>
             </a:r>
             <a:br>
               <a:rPr lang="en" sz="1200" dirty="0">
@@ -8614,7 +8640,31 @@
                 <a:latin typeface="Prompt" panose="00000500000000000000" pitchFamily="2" charset="-34"/>
                 <a:cs typeface="Prompt" panose="00000500000000000000" pitchFamily="2" charset="-34"/>
               </a:rPr>
-              <a:t> group tends to be older, with lower financial engagement, and more mixed status and occupations.</a:t>
+              <a:t> </a:t>
+            </a:r>
+            <a:r>
+              <a:rPr lang="en" sz="1200" b="1" dirty="0">
+                <a:solidFill>
+                  <a:schemeClr val="bg2">
+                    <a:lumMod val="50000"/>
+                  </a:schemeClr>
+                </a:solidFill>
+                <a:latin typeface="Prompt" panose="00000500000000000000" pitchFamily="2" charset="-34"/>
+                <a:cs typeface="Prompt" panose="00000500000000000000" pitchFamily="2" charset="-34"/>
+              </a:rPr>
+              <a:t>group</a:t>
+            </a:r>
+            <a:r>
+              <a:rPr lang="en" sz="1200" dirty="0">
+                <a:solidFill>
+                  <a:schemeClr val="bg2">
+                    <a:lumMod val="50000"/>
+                  </a:schemeClr>
+                </a:solidFill>
+                <a:latin typeface="Prompt" panose="00000500000000000000" pitchFamily="2" charset="-34"/>
+                <a:cs typeface="Prompt" panose="00000500000000000000" pitchFamily="2" charset="-34"/>
+              </a:rPr>
+              <a:t> tends to be older, with lower financial engagement, and more mixed status and occupations.</a:t>
             </a:r>
             <a:endParaRPr sz="1200" dirty="0">
               <a:solidFill>
@@ -12794,7 +12844,7 @@
                 <a:latin typeface="Prompt" panose="00000500000000000000" pitchFamily="2" charset="-34"/>
                 <a:cs typeface="Prompt" panose="00000500000000000000" pitchFamily="2" charset="-34"/>
               </a:rPr>
-              <a:t>from 72.9% → 67.8%</a:t>
+              <a:t>from 73% → 68%</a:t>
             </a:r>
             <a:r>
               <a:rPr lang="en" sz="900" dirty="0">
@@ -12939,6 +12989,56 @@
           </a:extLst>
         </p:spPr>
       </p:pic>
+      <p:sp>
+        <p:nvSpPr>
+          <p:cNvPr id="2" name="TextBox 1">
+            <a:extLst>
+              <a:ext uri="{FF2B5EF4-FFF2-40B4-BE49-F238E27FC236}">
+                <a16:creationId xmlns:a16="http://schemas.microsoft.com/office/drawing/2014/main" id="{9C78C258-6568-D39A-FF8A-2CB797474B26}"/>
+              </a:ext>
+            </a:extLst>
+          </p:cNvPr>
+          <p:cNvSpPr txBox="1"/>
+          <p:nvPr/>
+        </p:nvSpPr>
+        <p:spPr>
+          <a:xfrm>
+            <a:off x="219075" y="4745283"/>
+            <a:ext cx="1196161" cy="184666"/>
+          </a:xfrm>
+          <a:prstGeom prst="rect">
+            <a:avLst/>
+          </a:prstGeom>
+          <a:noFill/>
+        </p:spPr>
+        <p:txBody>
+          <a:bodyPr wrap="none" rtlCol="0">
+            <a:spAutoFit/>
+          </a:bodyPr>
+          <a:lstStyle/>
+          <a:p>
+            <a:r>
+              <a:rPr lang="en-US" sz="600" dirty="0">
+                <a:latin typeface="Prompt" panose="00000500000000000000" pitchFamily="2" charset="-34"/>
+                <a:cs typeface="Prompt" panose="00000500000000000000" pitchFamily="2" charset="-34"/>
+              </a:rPr>
+              <a:t>All feature definitions : </a:t>
+            </a:r>
+            <a:r>
+              <a:rPr lang="en-US" sz="600" dirty="0">
+                <a:latin typeface="Prompt" panose="00000500000000000000" pitchFamily="2" charset="-34"/>
+                <a:cs typeface="Prompt" panose="00000500000000000000" pitchFamily="2" charset="-34"/>
+                <a:hlinkClick r:id="rId4"/>
+              </a:rPr>
+              <a:t>link</a:t>
+            </a:r>
+            <a:endParaRPr lang="en-US" sz="600" dirty="0">
+              <a:latin typeface="Prompt" panose="00000500000000000000" pitchFamily="2" charset="-34"/>
+              <a:cs typeface="Prompt" panose="00000500000000000000" pitchFamily="2" charset="-34"/>
+            </a:endParaRPr>
+          </a:p>
+        </p:txBody>
+      </p:sp>
     </p:spTree>
   </p:cSld>
   <p:clrMapOvr>
@@ -13664,7 +13764,7 @@
                 <a:latin typeface="Prompt" panose="00000500000000000000" pitchFamily="2" charset="-34"/>
                 <a:cs typeface="Prompt" panose="00000500000000000000" pitchFamily="2" charset="-34"/>
               </a:rPr>
-              <a:t>model-based targeting</a:t>
+              <a:t>model targeting</a:t>
             </a:r>
             <a:r>
               <a:rPr lang="en-US" sz="800" dirty="0">
